--- a/Documents/Drawing Comparisons Between Micorbe VOCs and SWD Behavior.pptx
+++ b/Documents/Drawing Comparisons Between Micorbe VOCs and SWD Behavior.pptx
@@ -5,7 +5,7 @@
     <p:sldMasterId id="2147483648" r:id="rId1"/>
   </p:sldMasterIdLst>
   <p:notesMasterIdLst>
-    <p:notesMasterId r:id="rId10"/>
+    <p:notesMasterId r:id="rId11"/>
   </p:notesMasterIdLst>
   <p:sldIdLst>
     <p:sldId id="266" r:id="rId2"/>
@@ -16,6 +16,7 @@
     <p:sldId id="268" r:id="rId7"/>
     <p:sldId id="260" r:id="rId8"/>
     <p:sldId id="279" r:id="rId9"/>
+    <p:sldId id="280" r:id="rId10"/>
   </p:sldIdLst>
   <p:sldSz cx="12192000" cy="6858000"/>
   <p:notesSz cx="6858000" cy="9144000"/>
@@ -204,7 +205,7 @@
           <a:p>
             <a:fld id="{56A0E52D-6701-1647-B0E1-73EF1226066D}" type="datetimeFigureOut">
               <a:rPr lang="en-US" smtClean="0"/>
-              <a:t>9/25/19</a:t>
+              <a:t>10/7/2019</a:t>
             </a:fld>
             <a:endParaRPr lang="en-US"/>
           </a:p>
@@ -817,7 +818,7 @@
           <a:p>
             <a:fld id="{AAD985B8-3E92-4BEF-AFD1-2E8CE8B18414}" type="datetimeFigureOut">
               <a:rPr lang="en-US" smtClean="0"/>
-              <a:t>9/25/19</a:t>
+              <a:t>10/7/2019</a:t>
             </a:fld>
             <a:endParaRPr lang="en-US"/>
           </a:p>
@@ -1015,7 +1016,7 @@
           <a:p>
             <a:fld id="{AAD985B8-3E92-4BEF-AFD1-2E8CE8B18414}" type="datetimeFigureOut">
               <a:rPr lang="en-US" smtClean="0"/>
-              <a:t>9/25/19</a:t>
+              <a:t>10/7/2019</a:t>
             </a:fld>
             <a:endParaRPr lang="en-US"/>
           </a:p>
@@ -1223,7 +1224,7 @@
           <a:p>
             <a:fld id="{AAD985B8-3E92-4BEF-AFD1-2E8CE8B18414}" type="datetimeFigureOut">
               <a:rPr lang="en-US" smtClean="0"/>
-              <a:t>9/25/19</a:t>
+              <a:t>10/7/2019</a:t>
             </a:fld>
             <a:endParaRPr lang="en-US"/>
           </a:p>
@@ -1421,7 +1422,7 @@
           <a:p>
             <a:fld id="{AAD985B8-3E92-4BEF-AFD1-2E8CE8B18414}" type="datetimeFigureOut">
               <a:rPr lang="en-US" smtClean="0"/>
-              <a:t>9/25/19</a:t>
+              <a:t>10/7/2019</a:t>
             </a:fld>
             <a:endParaRPr lang="en-US"/>
           </a:p>
@@ -1696,7 +1697,7 @@
           <a:p>
             <a:fld id="{AAD985B8-3E92-4BEF-AFD1-2E8CE8B18414}" type="datetimeFigureOut">
               <a:rPr lang="en-US" smtClean="0"/>
-              <a:t>9/25/19</a:t>
+              <a:t>10/7/2019</a:t>
             </a:fld>
             <a:endParaRPr lang="en-US"/>
           </a:p>
@@ -1961,7 +1962,7 @@
           <a:p>
             <a:fld id="{AAD985B8-3E92-4BEF-AFD1-2E8CE8B18414}" type="datetimeFigureOut">
               <a:rPr lang="en-US" smtClean="0"/>
-              <a:t>9/25/19</a:t>
+              <a:t>10/7/2019</a:t>
             </a:fld>
             <a:endParaRPr lang="en-US"/>
           </a:p>
@@ -2373,7 +2374,7 @@
           <a:p>
             <a:fld id="{AAD985B8-3E92-4BEF-AFD1-2E8CE8B18414}" type="datetimeFigureOut">
               <a:rPr lang="en-US" smtClean="0"/>
-              <a:t>9/25/19</a:t>
+              <a:t>10/7/2019</a:t>
             </a:fld>
             <a:endParaRPr lang="en-US"/>
           </a:p>
@@ -2514,7 +2515,7 @@
           <a:p>
             <a:fld id="{AAD985B8-3E92-4BEF-AFD1-2E8CE8B18414}" type="datetimeFigureOut">
               <a:rPr lang="en-US" smtClean="0"/>
-              <a:t>9/25/19</a:t>
+              <a:t>10/7/2019</a:t>
             </a:fld>
             <a:endParaRPr lang="en-US"/>
           </a:p>
@@ -2627,7 +2628,7 @@
           <a:p>
             <a:fld id="{AAD985B8-3E92-4BEF-AFD1-2E8CE8B18414}" type="datetimeFigureOut">
               <a:rPr lang="en-US" smtClean="0"/>
-              <a:t>9/25/19</a:t>
+              <a:t>10/7/2019</a:t>
             </a:fld>
             <a:endParaRPr lang="en-US"/>
           </a:p>
@@ -2938,7 +2939,7 @@
           <a:p>
             <a:fld id="{AAD985B8-3E92-4BEF-AFD1-2E8CE8B18414}" type="datetimeFigureOut">
               <a:rPr lang="en-US" smtClean="0"/>
-              <a:t>9/25/19</a:t>
+              <a:t>10/7/2019</a:t>
             </a:fld>
             <a:endParaRPr lang="en-US"/>
           </a:p>
@@ -3226,7 +3227,7 @@
           <a:p>
             <a:fld id="{AAD985B8-3E92-4BEF-AFD1-2E8CE8B18414}" type="datetimeFigureOut">
               <a:rPr lang="en-US" smtClean="0"/>
-              <a:t>9/25/19</a:t>
+              <a:t>10/7/2019</a:t>
             </a:fld>
             <a:endParaRPr lang="en-US"/>
           </a:p>
@@ -3467,7 +3468,7 @@
           <a:p>
             <a:fld id="{AAD985B8-3E92-4BEF-AFD1-2E8CE8B18414}" type="datetimeFigureOut">
               <a:rPr lang="en-US" smtClean="0"/>
-              <a:t>9/25/19</a:t>
+              <a:t>10/7/2019</a:t>
             </a:fld>
             <a:endParaRPr lang="en-US"/>
           </a:p>
@@ -8330,6 +8331,1502 @@
     <p:extLst>
       <p:ext uri="{BB962C8B-B14F-4D97-AF65-F5344CB8AC3E}">
         <p14:creationId xmlns:p14="http://schemas.microsoft.com/office/powerpoint/2010/main" val="1540304398"/>
+      </p:ext>
+    </p:extLst>
+  </p:cSld>
+  <p:clrMapOvr>
+    <a:masterClrMapping/>
+  </p:clrMapOvr>
+</p:sld>
+</file>
+
+<file path=ppt/slides/slide9.xml><?xml version="1.0" encoding="utf-8"?>
+<p:sld xmlns:a="http://schemas.openxmlformats.org/drawingml/2006/main" xmlns:r="http://schemas.openxmlformats.org/officeDocument/2006/relationships" xmlns:p="http://schemas.openxmlformats.org/presentationml/2006/main">
+  <p:cSld>
+    <p:spTree>
+      <p:nvGrpSpPr>
+        <p:cNvPr id="1" name=""/>
+        <p:cNvGrpSpPr/>
+        <p:nvPr/>
+      </p:nvGrpSpPr>
+      <p:grpSpPr>
+        <a:xfrm>
+          <a:off x="0" y="0"/>
+          <a:ext cx="0" cy="0"/>
+          <a:chOff x="0" y="0"/>
+          <a:chExt cx="0" cy="0"/>
+        </a:xfrm>
+      </p:grpSpPr>
+      <p:sp>
+        <p:nvSpPr>
+          <p:cNvPr id="2" name="Title 1">
+            <a:extLst>
+              <a:ext uri="{FF2B5EF4-FFF2-40B4-BE49-F238E27FC236}">
+                <a16:creationId xmlns:a16="http://schemas.microsoft.com/office/drawing/2014/main" id="{01AA458D-70AA-44D4-8D6F-4BEE16795CF0}"/>
+              </a:ext>
+            </a:extLst>
+          </p:cNvPr>
+          <p:cNvSpPr>
+            <a:spLocks noGrp="1"/>
+          </p:cNvSpPr>
+          <p:nvPr>
+            <p:ph type="title"/>
+          </p:nvPr>
+        </p:nvSpPr>
+        <p:spPr/>
+        <p:txBody>
+          <a:bodyPr/>
+          <a:lstStyle/>
+          <a:p>
+            <a:r>
+              <a:rPr lang="en-US" dirty="0"/>
+              <a:t>Equipment</a:t>
+            </a:r>
+          </a:p>
+        </p:txBody>
+      </p:sp>
+      <p:sp>
+        <p:nvSpPr>
+          <p:cNvPr id="3" name="Content Placeholder 2">
+            <a:extLst>
+              <a:ext uri="{FF2B5EF4-FFF2-40B4-BE49-F238E27FC236}">
+                <a16:creationId xmlns:a16="http://schemas.microsoft.com/office/drawing/2014/main" id="{F9ECE81B-7D3E-462A-BAF5-DBFA21E4078C}"/>
+              </a:ext>
+            </a:extLst>
+          </p:cNvPr>
+          <p:cNvSpPr>
+            <a:spLocks noGrp="1"/>
+          </p:cNvSpPr>
+          <p:nvPr>
+            <p:ph idx="1"/>
+          </p:nvPr>
+        </p:nvSpPr>
+        <p:spPr/>
+        <p:txBody>
+          <a:bodyPr/>
+          <a:lstStyle/>
+          <a:p>
+            <a:r>
+              <a:rPr lang="en-US" dirty="0"/>
+              <a:t>Mesh Cages</a:t>
+            </a:r>
+          </a:p>
+          <a:p>
+            <a:r>
+              <a:rPr lang="en-US" dirty="0"/>
+              <a:t>Trap Jars</a:t>
+            </a:r>
+          </a:p>
+          <a:p>
+            <a:pPr lvl="1"/>
+            <a:r>
+              <a:rPr lang="en-US" dirty="0"/>
+              <a:t>4 oz ball jar</a:t>
+            </a:r>
+          </a:p>
+          <a:p>
+            <a:pPr lvl="1"/>
+            <a:r>
+              <a:rPr lang="en-US" dirty="0"/>
+              <a:t>Metal lid ring</a:t>
+            </a:r>
+          </a:p>
+          <a:p>
+            <a:pPr lvl="1"/>
+            <a:r>
+              <a:rPr lang="en-US" dirty="0"/>
+              <a:t>Teflon lid cover with 2 holes</a:t>
+            </a:r>
+          </a:p>
+          <a:p>
+            <a:pPr lvl="1"/>
+            <a:r>
+              <a:rPr lang="en-US" dirty="0"/>
+              <a:t>1 septa covered hole</a:t>
+            </a:r>
+          </a:p>
+          <a:p>
+            <a:pPr lvl="1"/>
+            <a:r>
+              <a:rPr lang="en-US" dirty="0"/>
+              <a:t>1 hole plugged with a centrifuge tube</a:t>
+            </a:r>
+          </a:p>
+          <a:p>
+            <a:r>
+              <a:rPr lang="en-US" dirty="0"/>
+              <a:t>Incubators</a:t>
+            </a:r>
+          </a:p>
+          <a:p>
+            <a:pPr lvl="1"/>
+            <a:r>
+              <a:rPr lang="en-US" dirty="0"/>
+              <a:t>25 C, 60% rH, and 16:8 L:D</a:t>
+            </a:r>
+          </a:p>
+        </p:txBody>
+      </p:sp>
+      <p:pic>
+        <p:nvPicPr>
+          <p:cNvPr id="7" name="Content Placeholder 7" descr="A picture containing indoor, wall, white, sitting&#10;&#10;Description generated with very high confidence">
+            <a:extLst>
+              <a:ext uri="{FF2B5EF4-FFF2-40B4-BE49-F238E27FC236}">
+                <a16:creationId xmlns:a16="http://schemas.microsoft.com/office/drawing/2014/main" id="{3829A402-5672-4269-A3DA-179F0273DE93}"/>
+              </a:ext>
+            </a:extLst>
+          </p:cNvPr>
+          <p:cNvPicPr>
+            <a:picLocks noChangeAspect="1"/>
+          </p:cNvPicPr>
+          <p:nvPr/>
+        </p:nvPicPr>
+        <p:blipFill>
+          <a:blip r:embed="rId2">
+            <a:extLst>
+              <a:ext uri="{28A0092B-C50C-407E-A947-70E740481C1C}">
+                <a14:useLocalDpi xmlns:a14="http://schemas.microsoft.com/office/drawing/2010/main" val="0"/>
+              </a:ext>
+            </a:extLst>
+          </a:blip>
+          <a:stretch>
+            <a:fillRect/>
+          </a:stretch>
+        </p:blipFill>
+        <p:spPr>
+          <a:xfrm>
+            <a:off x="6493173" y="3530218"/>
+            <a:ext cx="2668349" cy="3030421"/>
+          </a:xfrm>
+          <a:prstGeom prst="rect">
+            <a:avLst/>
+          </a:prstGeom>
+        </p:spPr>
+      </p:pic>
+      <p:grpSp>
+        <p:nvGrpSpPr>
+          <p:cNvPr id="13" name="Group 12">
+            <a:extLst>
+              <a:ext uri="{FF2B5EF4-FFF2-40B4-BE49-F238E27FC236}">
+                <a16:creationId xmlns:a16="http://schemas.microsoft.com/office/drawing/2014/main" id="{99FB9B52-2F36-4BC3-A6C7-B51EBB8BD978}"/>
+              </a:ext>
+            </a:extLst>
+          </p:cNvPr>
+          <p:cNvGrpSpPr/>
+          <p:nvPr/>
+        </p:nvGrpSpPr>
+        <p:grpSpPr>
+          <a:xfrm>
+            <a:off x="9584307" y="1690688"/>
+            <a:ext cx="2286000" cy="2541660"/>
+            <a:chOff x="9500417" y="2181138"/>
+            <a:chExt cx="2286000" cy="2541660"/>
+          </a:xfrm>
+        </p:grpSpPr>
+        <p:pic>
+          <p:nvPicPr>
+            <p:cNvPr id="8" name="Picture 6" descr="Mini Mason Jars In Bulk 4 Oz Ball Half Pint Wide Mouth Glass Bottles Jelly Jar With Ounce Walmart Love Blue">
+              <a:extLst>
+                <a:ext uri="{FF2B5EF4-FFF2-40B4-BE49-F238E27FC236}">
+                  <a16:creationId xmlns:a16="http://schemas.microsoft.com/office/drawing/2014/main" id="{3CE8102F-9DD1-466C-8574-F64990E73686}"/>
+                </a:ext>
+              </a:extLst>
+            </p:cNvPr>
+            <p:cNvPicPr>
+              <a:picLocks noChangeAspect="1" noChangeArrowheads="1"/>
+            </p:cNvPicPr>
+            <p:nvPr/>
+          </p:nvPicPr>
+          <p:blipFill>
+            <a:blip r:embed="rId3">
+              <a:extLst>
+                <a:ext uri="{28A0092B-C50C-407E-A947-70E740481C1C}">
+                  <a14:useLocalDpi xmlns:a14="http://schemas.microsoft.com/office/drawing/2010/main" val="0"/>
+                </a:ext>
+              </a:extLst>
+            </a:blip>
+            <a:srcRect/>
+            <a:stretch>
+              <a:fillRect/>
+            </a:stretch>
+          </p:blipFill>
+          <p:spPr bwMode="auto">
+            <a:xfrm>
+              <a:off x="9500417" y="2436798"/>
+              <a:ext cx="2286000" cy="2286000"/>
+            </a:xfrm>
+            <a:prstGeom prst="rect">
+              <a:avLst/>
+            </a:prstGeom>
+            <a:noFill/>
+            <a:extLst>
+              <a:ext uri="{909E8E84-426E-40DD-AFC4-6F175D3DCCD1}">
+                <a14:hiddenFill xmlns:a14="http://schemas.microsoft.com/office/drawing/2010/main">
+                  <a:solidFill>
+                    <a:srgbClr val="FFFFFF"/>
+                  </a:solidFill>
+                </a14:hiddenFill>
+              </a:ext>
+            </a:extLst>
+          </p:spPr>
+        </p:pic>
+        <p:pic>
+          <p:nvPicPr>
+            <p:cNvPr id="9" name="Picture 8" descr="http://www.downloadclipart.net/thumb/24855-test-tube-icon.png">
+              <a:extLst>
+                <a:ext uri="{FF2B5EF4-FFF2-40B4-BE49-F238E27FC236}">
+                  <a16:creationId xmlns:a16="http://schemas.microsoft.com/office/drawing/2014/main" id="{40DA1A2C-895B-439F-9100-C1D8D80D5DFA}"/>
+                </a:ext>
+              </a:extLst>
+            </p:cNvPr>
+            <p:cNvPicPr>
+              <a:picLocks noChangeAspect="1" noChangeArrowheads="1"/>
+            </p:cNvPicPr>
+            <p:nvPr/>
+          </p:nvPicPr>
+          <p:blipFill rotWithShape="1">
+            <a:blip r:embed="rId4">
+              <a:extLst>
+                <a:ext uri="{28A0092B-C50C-407E-A947-70E740481C1C}">
+                  <a14:useLocalDpi xmlns:a14="http://schemas.microsoft.com/office/drawing/2010/main" val="0"/>
+                </a:ext>
+              </a:extLst>
+            </a:blip>
+            <a:srcRect b="25829"/>
+            <a:stretch/>
+          </p:blipFill>
+          <p:spPr bwMode="auto">
+            <a:xfrm>
+              <a:off x="9821715" y="2181138"/>
+              <a:ext cx="670699" cy="830510"/>
+            </a:xfrm>
+            <a:prstGeom prst="rect">
+              <a:avLst/>
+            </a:prstGeom>
+            <a:noFill/>
+            <a:extLst>
+              <a:ext uri="{909E8E84-426E-40DD-AFC4-6F175D3DCCD1}">
+                <a14:hiddenFill xmlns:a14="http://schemas.microsoft.com/office/drawing/2010/main">
+                  <a:solidFill>
+                    <a:srgbClr val="FFFFFF"/>
+                  </a:solidFill>
+                </a14:hiddenFill>
+              </a:ext>
+            </a:extLst>
+          </p:spPr>
+        </p:pic>
+        <p:pic>
+          <p:nvPicPr>
+            <p:cNvPr id="10" name="Picture 10" descr="Image result for inlet septa png">
+              <a:extLst>
+                <a:ext uri="{FF2B5EF4-FFF2-40B4-BE49-F238E27FC236}">
+                  <a16:creationId xmlns:a16="http://schemas.microsoft.com/office/drawing/2014/main" id="{B61E10E0-634F-4853-BF59-4D8DC6B20F12}"/>
+                </a:ext>
+              </a:extLst>
+            </p:cNvPr>
+            <p:cNvPicPr>
+              <a:picLocks noChangeAspect="1" noChangeArrowheads="1"/>
+            </p:cNvPicPr>
+            <p:nvPr/>
+          </p:nvPicPr>
+          <p:blipFill rotWithShape="1">
+            <a:blip r:embed="rId5">
+              <a:extLst>
+                <a:ext uri="{28A0092B-C50C-407E-A947-70E740481C1C}">
+                  <a14:useLocalDpi xmlns:a14="http://schemas.microsoft.com/office/drawing/2010/main" val="0"/>
+                </a:ext>
+              </a:extLst>
+            </a:blip>
+            <a:srcRect l="23594" t="26377" r="26898" b="26845"/>
+            <a:stretch/>
+          </p:blipFill>
+          <p:spPr bwMode="auto">
+            <a:xfrm rot="580014">
+              <a:off x="10813712" y="2926448"/>
+              <a:ext cx="180348" cy="170400"/>
+            </a:xfrm>
+            <a:prstGeom prst="flowChartConnector">
+              <a:avLst/>
+            </a:prstGeom>
+            <a:noFill/>
+            <a:extLst>
+              <a:ext uri="{909E8E84-426E-40DD-AFC4-6F175D3DCCD1}">
+                <a14:hiddenFill xmlns:a14="http://schemas.microsoft.com/office/drawing/2010/main">
+                  <a:solidFill>
+                    <a:srgbClr val="FFFFFF"/>
+                  </a:solidFill>
+                </a14:hiddenFill>
+              </a:ext>
+            </a:extLst>
+          </p:spPr>
+        </p:pic>
+      </p:grpSp>
+      <p:grpSp>
+        <p:nvGrpSpPr>
+          <p:cNvPr id="11" name="Group 10">
+            <a:extLst>
+              <a:ext uri="{FF2B5EF4-FFF2-40B4-BE49-F238E27FC236}">
+                <a16:creationId xmlns:a16="http://schemas.microsoft.com/office/drawing/2014/main" id="{90549892-1DBC-4AD5-BC46-5078A91680AE}"/>
+              </a:ext>
+            </a:extLst>
+          </p:cNvPr>
+          <p:cNvGrpSpPr/>
+          <p:nvPr/>
+        </p:nvGrpSpPr>
+        <p:grpSpPr>
+          <a:xfrm>
+            <a:off x="5874625" y="771299"/>
+            <a:ext cx="2932186" cy="2137026"/>
+            <a:chOff x="1453575" y="719194"/>
+            <a:chExt cx="3697829" cy="2619908"/>
+          </a:xfrm>
+        </p:grpSpPr>
+        <p:pic>
+          <p:nvPicPr>
+            <p:cNvPr id="12" name="Picture 11">
+              <a:extLst>
+                <a:ext uri="{FF2B5EF4-FFF2-40B4-BE49-F238E27FC236}">
+                  <a16:creationId xmlns:a16="http://schemas.microsoft.com/office/drawing/2014/main" id="{E787D116-2949-4B50-AD6F-CA13A19CE9A1}"/>
+                </a:ext>
+              </a:extLst>
+            </p:cNvPr>
+            <p:cNvPicPr>
+              <a:picLocks noChangeAspect="1"/>
+            </p:cNvPicPr>
+            <p:nvPr/>
+          </p:nvPicPr>
+          <p:blipFill rotWithShape="1">
+            <a:blip r:embed="rId6">
+              <a:extLst>
+                <a:ext uri="{28A0092B-C50C-407E-A947-70E740481C1C}">
+                  <a14:useLocalDpi xmlns:a14="http://schemas.microsoft.com/office/drawing/2010/main" val="0"/>
+                </a:ext>
+              </a:extLst>
+            </a:blip>
+            <a:srcRect l="13222" t="14529" r="48575" b="13578"/>
+            <a:stretch/>
+          </p:blipFill>
+          <p:spPr>
+            <a:xfrm rot="5400000">
+              <a:off x="1992536" y="180233"/>
+              <a:ext cx="2619908" cy="3697829"/>
+            </a:xfrm>
+            <a:prstGeom prst="rect">
+              <a:avLst/>
+            </a:prstGeom>
+          </p:spPr>
+        </p:pic>
+        <p:grpSp>
+          <p:nvGrpSpPr>
+            <p:cNvPr id="14" name="Group 13">
+              <a:extLst>
+                <a:ext uri="{FF2B5EF4-FFF2-40B4-BE49-F238E27FC236}">
+                  <a16:creationId xmlns:a16="http://schemas.microsoft.com/office/drawing/2014/main" id="{B1CEAC5B-EE94-4FAB-9A93-66DF31BBEB06}"/>
+                </a:ext>
+              </a:extLst>
+            </p:cNvPr>
+            <p:cNvGrpSpPr/>
+            <p:nvPr/>
+          </p:nvGrpSpPr>
+          <p:grpSpPr>
+            <a:xfrm>
+              <a:off x="2670066" y="1522320"/>
+              <a:ext cx="1273994" cy="1017143"/>
+              <a:chOff x="6413583" y="2662996"/>
+              <a:chExt cx="2258113" cy="1656455"/>
+            </a:xfrm>
+          </p:grpSpPr>
+          <p:pic>
+            <p:nvPicPr>
+              <p:cNvPr id="15" name="Picture 14">
+                <a:extLst>
+                  <a:ext uri="{FF2B5EF4-FFF2-40B4-BE49-F238E27FC236}">
+                    <a16:creationId xmlns:a16="http://schemas.microsoft.com/office/drawing/2014/main" id="{A1F3AF1E-E6C7-48BF-9232-1276D3BBA6AE}"/>
+                  </a:ext>
+                </a:extLst>
+              </p:cNvPr>
+              <p:cNvPicPr>
+                <a:picLocks noChangeAspect="1"/>
+              </p:cNvPicPr>
+              <p:nvPr/>
+            </p:nvPicPr>
+            <p:blipFill rotWithShape="1">
+              <a:blip r:embed="rId7">
+                <a:extLst>
+                  <a:ext uri="{28A0092B-C50C-407E-A947-70E740481C1C}">
+                    <a14:useLocalDpi xmlns:a14="http://schemas.microsoft.com/office/drawing/2010/main" val="0"/>
+                  </a:ext>
+                </a:extLst>
+              </a:blip>
+              <a:srcRect l="15662" t="33891" r="45850" b="37426"/>
+              <a:stretch/>
+            </p:blipFill>
+            <p:spPr>
+              <a:xfrm>
+                <a:off x="7089169" y="3278987"/>
+                <a:ext cx="352070" cy="150012"/>
+              </a:xfrm>
+              <a:prstGeom prst="rect">
+                <a:avLst/>
+              </a:prstGeom>
+            </p:spPr>
+          </p:pic>
+          <p:pic>
+            <p:nvPicPr>
+              <p:cNvPr id="16" name="Picture 15">
+                <a:extLst>
+                  <a:ext uri="{FF2B5EF4-FFF2-40B4-BE49-F238E27FC236}">
+                    <a16:creationId xmlns:a16="http://schemas.microsoft.com/office/drawing/2014/main" id="{ECED0B0B-290E-4107-B6E6-83A8399804EC}"/>
+                  </a:ext>
+                </a:extLst>
+              </p:cNvPr>
+              <p:cNvPicPr>
+                <a:picLocks noChangeAspect="1"/>
+              </p:cNvPicPr>
+              <p:nvPr/>
+            </p:nvPicPr>
+            <p:blipFill rotWithShape="1">
+              <a:blip r:embed="rId7">
+                <a:extLst>
+                  <a:ext uri="{28A0092B-C50C-407E-A947-70E740481C1C}">
+                    <a14:useLocalDpi xmlns:a14="http://schemas.microsoft.com/office/drawing/2010/main" val="0"/>
+                  </a:ext>
+                </a:extLst>
+              </a:blip>
+              <a:srcRect l="15662" t="33891" r="45850" b="37426"/>
+              <a:stretch/>
+            </p:blipFill>
+            <p:spPr>
+              <a:xfrm>
+                <a:off x="6881974" y="3508781"/>
+                <a:ext cx="352070" cy="150012"/>
+              </a:xfrm>
+              <a:prstGeom prst="rect">
+                <a:avLst/>
+              </a:prstGeom>
+            </p:spPr>
+          </p:pic>
+          <p:pic>
+            <p:nvPicPr>
+              <p:cNvPr id="17" name="Picture 16">
+                <a:extLst>
+                  <a:ext uri="{FF2B5EF4-FFF2-40B4-BE49-F238E27FC236}">
+                    <a16:creationId xmlns:a16="http://schemas.microsoft.com/office/drawing/2014/main" id="{3284C21F-A2C2-425D-825A-169C8D01F842}"/>
+                  </a:ext>
+                </a:extLst>
+              </p:cNvPr>
+              <p:cNvPicPr>
+                <a:picLocks noChangeAspect="1"/>
+              </p:cNvPicPr>
+              <p:nvPr/>
+            </p:nvPicPr>
+            <p:blipFill rotWithShape="1">
+              <a:blip r:embed="rId7">
+                <a:extLst>
+                  <a:ext uri="{28A0092B-C50C-407E-A947-70E740481C1C}">
+                    <a14:useLocalDpi xmlns:a14="http://schemas.microsoft.com/office/drawing/2010/main" val="0"/>
+                  </a:ext>
+                </a:extLst>
+              </a:blip>
+              <a:srcRect l="15662" t="33891" r="45850" b="37426"/>
+              <a:stretch/>
+            </p:blipFill>
+            <p:spPr>
+              <a:xfrm>
+                <a:off x="6973600" y="3049193"/>
+                <a:ext cx="352070" cy="150012"/>
+              </a:xfrm>
+              <a:prstGeom prst="rect">
+                <a:avLst/>
+              </a:prstGeom>
+            </p:spPr>
+          </p:pic>
+          <p:pic>
+            <p:nvPicPr>
+              <p:cNvPr id="18" name="Picture 17">
+                <a:extLst>
+                  <a:ext uri="{FF2B5EF4-FFF2-40B4-BE49-F238E27FC236}">
+                    <a16:creationId xmlns:a16="http://schemas.microsoft.com/office/drawing/2014/main" id="{37CE2ADD-6035-4552-A617-80FA5AEE37C3}"/>
+                  </a:ext>
+                </a:extLst>
+              </p:cNvPr>
+              <p:cNvPicPr>
+                <a:picLocks noChangeAspect="1"/>
+              </p:cNvPicPr>
+              <p:nvPr/>
+            </p:nvPicPr>
+            <p:blipFill rotWithShape="1">
+              <a:blip r:embed="rId7">
+                <a:extLst>
+                  <a:ext uri="{28A0092B-C50C-407E-A947-70E740481C1C}">
+                    <a14:useLocalDpi xmlns:a14="http://schemas.microsoft.com/office/drawing/2010/main" val="0"/>
+                  </a:ext>
+                </a:extLst>
+              </a:blip>
+              <a:srcRect l="15662" t="33891" r="45850" b="37426"/>
+              <a:stretch/>
+            </p:blipFill>
+            <p:spPr>
+              <a:xfrm>
+                <a:off x="7240893" y="3508781"/>
+                <a:ext cx="352070" cy="150012"/>
+              </a:xfrm>
+              <a:prstGeom prst="rect">
+                <a:avLst/>
+              </a:prstGeom>
+            </p:spPr>
+          </p:pic>
+          <p:pic>
+            <p:nvPicPr>
+              <p:cNvPr id="19" name="Picture 18">
+                <a:extLst>
+                  <a:ext uri="{FF2B5EF4-FFF2-40B4-BE49-F238E27FC236}">
+                    <a16:creationId xmlns:a16="http://schemas.microsoft.com/office/drawing/2014/main" id="{B45D328E-1D1F-42F0-B4FD-1506A4B2F1AF}"/>
+                  </a:ext>
+                </a:extLst>
+              </p:cNvPr>
+              <p:cNvPicPr>
+                <a:picLocks noChangeAspect="1"/>
+              </p:cNvPicPr>
+              <p:nvPr/>
+            </p:nvPicPr>
+            <p:blipFill rotWithShape="1">
+              <a:blip r:embed="rId7">
+                <a:extLst>
+                  <a:ext uri="{28A0092B-C50C-407E-A947-70E740481C1C}">
+                    <a14:useLocalDpi xmlns:a14="http://schemas.microsoft.com/office/drawing/2010/main" val="0"/>
+                  </a:ext>
+                </a:extLst>
+              </a:blip>
+              <a:srcRect l="15662" t="33891" r="45850" b="37426"/>
+              <a:stretch/>
+            </p:blipFill>
+            <p:spPr>
+              <a:xfrm>
+                <a:off x="6666375" y="3278987"/>
+                <a:ext cx="352070" cy="150012"/>
+              </a:xfrm>
+              <a:prstGeom prst="rect">
+                <a:avLst/>
+              </a:prstGeom>
+            </p:spPr>
+          </p:pic>
+          <p:pic>
+            <p:nvPicPr>
+              <p:cNvPr id="20" name="Picture 19">
+                <a:extLst>
+                  <a:ext uri="{FF2B5EF4-FFF2-40B4-BE49-F238E27FC236}">
+                    <a16:creationId xmlns:a16="http://schemas.microsoft.com/office/drawing/2014/main" id="{B5996895-C28C-4C2F-867D-B68E9EC599EE}"/>
+                  </a:ext>
+                </a:extLst>
+              </p:cNvPr>
+              <p:cNvPicPr>
+                <a:picLocks noChangeAspect="1"/>
+              </p:cNvPicPr>
+              <p:nvPr/>
+            </p:nvPicPr>
+            <p:blipFill rotWithShape="1">
+              <a:blip r:embed="rId7">
+                <a:extLst>
+                  <a:ext uri="{28A0092B-C50C-407E-A947-70E740481C1C}">
+                    <a14:useLocalDpi xmlns:a14="http://schemas.microsoft.com/office/drawing/2010/main" val="0"/>
+                  </a:ext>
+                </a:extLst>
+              </a:blip>
+              <a:srcRect l="15662" t="33891" r="45850" b="37426"/>
+              <a:stretch/>
+            </p:blipFill>
+            <p:spPr>
+              <a:xfrm>
+                <a:off x="7809110" y="3103446"/>
+                <a:ext cx="352070" cy="150012"/>
+              </a:xfrm>
+              <a:prstGeom prst="rect">
+                <a:avLst/>
+              </a:prstGeom>
+            </p:spPr>
+          </p:pic>
+          <p:pic>
+            <p:nvPicPr>
+              <p:cNvPr id="21" name="Picture 20">
+                <a:extLst>
+                  <a:ext uri="{FF2B5EF4-FFF2-40B4-BE49-F238E27FC236}">
+                    <a16:creationId xmlns:a16="http://schemas.microsoft.com/office/drawing/2014/main" id="{DD6BF542-65A1-40C6-B7CF-FB49855FDC2B}"/>
+                  </a:ext>
+                </a:extLst>
+              </p:cNvPr>
+              <p:cNvPicPr>
+                <a:picLocks noChangeAspect="1"/>
+              </p:cNvPicPr>
+              <p:nvPr/>
+            </p:nvPicPr>
+            <p:blipFill rotWithShape="1">
+              <a:blip r:embed="rId7">
+                <a:extLst>
+                  <a:ext uri="{28A0092B-C50C-407E-A947-70E740481C1C}">
+                    <a14:useLocalDpi xmlns:a14="http://schemas.microsoft.com/office/drawing/2010/main" val="0"/>
+                  </a:ext>
+                </a:extLst>
+              </a:blip>
+              <a:srcRect l="15662" t="33891" r="45850" b="37426"/>
+              <a:stretch/>
+            </p:blipFill>
+            <p:spPr>
+              <a:xfrm>
+                <a:off x="7601915" y="3333240"/>
+                <a:ext cx="352070" cy="150012"/>
+              </a:xfrm>
+              <a:prstGeom prst="rect">
+                <a:avLst/>
+              </a:prstGeom>
+            </p:spPr>
+          </p:pic>
+          <p:pic>
+            <p:nvPicPr>
+              <p:cNvPr id="22" name="Picture 21">
+                <a:extLst>
+                  <a:ext uri="{FF2B5EF4-FFF2-40B4-BE49-F238E27FC236}">
+                    <a16:creationId xmlns:a16="http://schemas.microsoft.com/office/drawing/2014/main" id="{968F4D16-6089-43A4-A90D-651E3A5166E1}"/>
+                  </a:ext>
+                </a:extLst>
+              </p:cNvPr>
+              <p:cNvPicPr>
+                <a:picLocks noChangeAspect="1"/>
+              </p:cNvPicPr>
+              <p:nvPr/>
+            </p:nvPicPr>
+            <p:blipFill rotWithShape="1">
+              <a:blip r:embed="rId7">
+                <a:extLst>
+                  <a:ext uri="{28A0092B-C50C-407E-A947-70E740481C1C}">
+                    <a14:useLocalDpi xmlns:a14="http://schemas.microsoft.com/office/drawing/2010/main" val="0"/>
+                  </a:ext>
+                </a:extLst>
+              </a:blip>
+              <a:srcRect l="15662" t="33891" r="45850" b="37426"/>
+              <a:stretch/>
+            </p:blipFill>
+            <p:spPr>
+              <a:xfrm>
+                <a:off x="7693541" y="2873652"/>
+                <a:ext cx="352070" cy="150012"/>
+              </a:xfrm>
+              <a:prstGeom prst="rect">
+                <a:avLst/>
+              </a:prstGeom>
+            </p:spPr>
+          </p:pic>
+          <p:pic>
+            <p:nvPicPr>
+              <p:cNvPr id="23" name="Picture 22">
+                <a:extLst>
+                  <a:ext uri="{FF2B5EF4-FFF2-40B4-BE49-F238E27FC236}">
+                    <a16:creationId xmlns:a16="http://schemas.microsoft.com/office/drawing/2014/main" id="{5106C7EB-082D-448E-8009-F24C0F697768}"/>
+                  </a:ext>
+                </a:extLst>
+              </p:cNvPr>
+              <p:cNvPicPr>
+                <a:picLocks noChangeAspect="1"/>
+              </p:cNvPicPr>
+              <p:nvPr/>
+            </p:nvPicPr>
+            <p:blipFill rotWithShape="1">
+              <a:blip r:embed="rId7">
+                <a:extLst>
+                  <a:ext uri="{28A0092B-C50C-407E-A947-70E740481C1C}">
+                    <a14:useLocalDpi xmlns:a14="http://schemas.microsoft.com/office/drawing/2010/main" val="0"/>
+                  </a:ext>
+                </a:extLst>
+              </a:blip>
+              <a:srcRect l="15662" t="33891" r="45850" b="37426"/>
+              <a:stretch/>
+            </p:blipFill>
+            <p:spPr>
+              <a:xfrm>
+                <a:off x="7960834" y="3333240"/>
+                <a:ext cx="352070" cy="150012"/>
+              </a:xfrm>
+              <a:prstGeom prst="rect">
+                <a:avLst/>
+              </a:prstGeom>
+            </p:spPr>
+          </p:pic>
+          <p:pic>
+            <p:nvPicPr>
+              <p:cNvPr id="24" name="Picture 23">
+                <a:extLst>
+                  <a:ext uri="{FF2B5EF4-FFF2-40B4-BE49-F238E27FC236}">
+                    <a16:creationId xmlns:a16="http://schemas.microsoft.com/office/drawing/2014/main" id="{83319AC1-DE9D-47BC-BAAF-C6FC01BBFEEB}"/>
+                  </a:ext>
+                </a:extLst>
+              </p:cNvPr>
+              <p:cNvPicPr>
+                <a:picLocks noChangeAspect="1"/>
+              </p:cNvPicPr>
+              <p:nvPr/>
+            </p:nvPicPr>
+            <p:blipFill rotWithShape="1">
+              <a:blip r:embed="rId7">
+                <a:extLst>
+                  <a:ext uri="{28A0092B-C50C-407E-A947-70E740481C1C}">
+                    <a14:useLocalDpi xmlns:a14="http://schemas.microsoft.com/office/drawing/2010/main" val="0"/>
+                  </a:ext>
+                </a:extLst>
+              </a:blip>
+              <a:srcRect l="15662" t="33891" r="45850" b="37426"/>
+              <a:stretch/>
+            </p:blipFill>
+            <p:spPr>
+              <a:xfrm>
+                <a:off x="7386316" y="3103446"/>
+                <a:ext cx="352070" cy="150012"/>
+              </a:xfrm>
+              <a:prstGeom prst="rect">
+                <a:avLst/>
+              </a:prstGeom>
+            </p:spPr>
+          </p:pic>
+          <p:pic>
+            <p:nvPicPr>
+              <p:cNvPr id="25" name="Picture 24">
+                <a:extLst>
+                  <a:ext uri="{FF2B5EF4-FFF2-40B4-BE49-F238E27FC236}">
+                    <a16:creationId xmlns:a16="http://schemas.microsoft.com/office/drawing/2014/main" id="{35B069FF-91C9-4E8F-8C5D-67F4A092408A}"/>
+                  </a:ext>
+                </a:extLst>
+              </p:cNvPr>
+              <p:cNvPicPr>
+                <a:picLocks noChangeAspect="1"/>
+              </p:cNvPicPr>
+              <p:nvPr/>
+            </p:nvPicPr>
+            <p:blipFill rotWithShape="1">
+              <a:blip r:embed="rId7">
+                <a:extLst>
+                  <a:ext uri="{28A0092B-C50C-407E-A947-70E740481C1C}">
+                    <a14:useLocalDpi xmlns:a14="http://schemas.microsoft.com/office/drawing/2010/main" val="0"/>
+                  </a:ext>
+                </a:extLst>
+              </a:blip>
+              <a:srcRect l="15662" t="33891" r="45850" b="37426"/>
+              <a:stretch/>
+            </p:blipFill>
+            <p:spPr>
+              <a:xfrm>
+                <a:off x="7144092" y="3939645"/>
+                <a:ext cx="352070" cy="150012"/>
+              </a:xfrm>
+              <a:prstGeom prst="rect">
+                <a:avLst/>
+              </a:prstGeom>
+            </p:spPr>
+          </p:pic>
+          <p:pic>
+            <p:nvPicPr>
+              <p:cNvPr id="26" name="Picture 25">
+                <a:extLst>
+                  <a:ext uri="{FF2B5EF4-FFF2-40B4-BE49-F238E27FC236}">
+                    <a16:creationId xmlns:a16="http://schemas.microsoft.com/office/drawing/2014/main" id="{1AE25799-8B8B-4E7D-9E52-C30D8284BB77}"/>
+                  </a:ext>
+                </a:extLst>
+              </p:cNvPr>
+              <p:cNvPicPr>
+                <a:picLocks noChangeAspect="1"/>
+              </p:cNvPicPr>
+              <p:nvPr/>
+            </p:nvPicPr>
+            <p:blipFill rotWithShape="1">
+              <a:blip r:embed="rId7">
+                <a:extLst>
+                  <a:ext uri="{28A0092B-C50C-407E-A947-70E740481C1C}">
+                    <a14:useLocalDpi xmlns:a14="http://schemas.microsoft.com/office/drawing/2010/main" val="0"/>
+                  </a:ext>
+                </a:extLst>
+              </a:blip>
+              <a:srcRect l="15662" t="33891" r="45850" b="37426"/>
+              <a:stretch/>
+            </p:blipFill>
+            <p:spPr>
+              <a:xfrm>
+                <a:off x="6936897" y="4169439"/>
+                <a:ext cx="352070" cy="150012"/>
+              </a:xfrm>
+              <a:prstGeom prst="rect">
+                <a:avLst/>
+              </a:prstGeom>
+            </p:spPr>
+          </p:pic>
+          <p:pic>
+            <p:nvPicPr>
+              <p:cNvPr id="27" name="Picture 26">
+                <a:extLst>
+                  <a:ext uri="{FF2B5EF4-FFF2-40B4-BE49-F238E27FC236}">
+                    <a16:creationId xmlns:a16="http://schemas.microsoft.com/office/drawing/2014/main" id="{AE7E646F-1131-4CD5-B9C6-647871AA3167}"/>
+                  </a:ext>
+                </a:extLst>
+              </p:cNvPr>
+              <p:cNvPicPr>
+                <a:picLocks noChangeAspect="1"/>
+              </p:cNvPicPr>
+              <p:nvPr/>
+            </p:nvPicPr>
+            <p:blipFill rotWithShape="1">
+              <a:blip r:embed="rId7">
+                <a:extLst>
+                  <a:ext uri="{28A0092B-C50C-407E-A947-70E740481C1C}">
+                    <a14:useLocalDpi xmlns:a14="http://schemas.microsoft.com/office/drawing/2010/main" val="0"/>
+                  </a:ext>
+                </a:extLst>
+              </a:blip>
+              <a:srcRect l="15662" t="33891" r="45850" b="37426"/>
+              <a:stretch/>
+            </p:blipFill>
+            <p:spPr>
+              <a:xfrm>
+                <a:off x="7028523" y="3709851"/>
+                <a:ext cx="352070" cy="150012"/>
+              </a:xfrm>
+              <a:prstGeom prst="rect">
+                <a:avLst/>
+              </a:prstGeom>
+            </p:spPr>
+          </p:pic>
+          <p:pic>
+            <p:nvPicPr>
+              <p:cNvPr id="28" name="Picture 27">
+                <a:extLst>
+                  <a:ext uri="{FF2B5EF4-FFF2-40B4-BE49-F238E27FC236}">
+                    <a16:creationId xmlns:a16="http://schemas.microsoft.com/office/drawing/2014/main" id="{E2250410-702A-490B-B880-2F210A195D38}"/>
+                  </a:ext>
+                </a:extLst>
+              </p:cNvPr>
+              <p:cNvPicPr>
+                <a:picLocks noChangeAspect="1"/>
+              </p:cNvPicPr>
+              <p:nvPr/>
+            </p:nvPicPr>
+            <p:blipFill rotWithShape="1">
+              <a:blip r:embed="rId7">
+                <a:extLst>
+                  <a:ext uri="{28A0092B-C50C-407E-A947-70E740481C1C}">
+                    <a14:useLocalDpi xmlns:a14="http://schemas.microsoft.com/office/drawing/2010/main" val="0"/>
+                  </a:ext>
+                </a:extLst>
+              </a:blip>
+              <a:srcRect l="15662" t="33891" r="45850" b="37426"/>
+              <a:stretch/>
+            </p:blipFill>
+            <p:spPr>
+              <a:xfrm>
+                <a:off x="7295816" y="4169439"/>
+                <a:ext cx="352070" cy="150012"/>
+              </a:xfrm>
+              <a:prstGeom prst="rect">
+                <a:avLst/>
+              </a:prstGeom>
+            </p:spPr>
+          </p:pic>
+          <p:pic>
+            <p:nvPicPr>
+              <p:cNvPr id="29" name="Picture 28">
+                <a:extLst>
+                  <a:ext uri="{FF2B5EF4-FFF2-40B4-BE49-F238E27FC236}">
+                    <a16:creationId xmlns:a16="http://schemas.microsoft.com/office/drawing/2014/main" id="{38FF12FC-4297-4A58-B6F7-E430BB276C7D}"/>
+                  </a:ext>
+                </a:extLst>
+              </p:cNvPr>
+              <p:cNvPicPr>
+                <a:picLocks noChangeAspect="1"/>
+              </p:cNvPicPr>
+              <p:nvPr/>
+            </p:nvPicPr>
+            <p:blipFill rotWithShape="1">
+              <a:blip r:embed="rId7">
+                <a:extLst>
+                  <a:ext uri="{28A0092B-C50C-407E-A947-70E740481C1C}">
+                    <a14:useLocalDpi xmlns:a14="http://schemas.microsoft.com/office/drawing/2010/main" val="0"/>
+                  </a:ext>
+                </a:extLst>
+              </a:blip>
+              <a:srcRect l="15662" t="33891" r="45850" b="37426"/>
+              <a:stretch/>
+            </p:blipFill>
+            <p:spPr>
+              <a:xfrm>
+                <a:off x="6721298" y="3939645"/>
+                <a:ext cx="352070" cy="150012"/>
+              </a:xfrm>
+              <a:prstGeom prst="rect">
+                <a:avLst/>
+              </a:prstGeom>
+            </p:spPr>
+          </p:pic>
+          <p:pic>
+            <p:nvPicPr>
+              <p:cNvPr id="30" name="Picture 29">
+                <a:extLst>
+                  <a:ext uri="{FF2B5EF4-FFF2-40B4-BE49-F238E27FC236}">
+                    <a16:creationId xmlns:a16="http://schemas.microsoft.com/office/drawing/2014/main" id="{B6C6C6DC-71F5-4F31-8436-49D933E22136}"/>
+                  </a:ext>
+                </a:extLst>
+              </p:cNvPr>
+              <p:cNvPicPr>
+                <a:picLocks noChangeAspect="1"/>
+              </p:cNvPicPr>
+              <p:nvPr/>
+            </p:nvPicPr>
+            <p:blipFill rotWithShape="1">
+              <a:blip r:embed="rId7">
+                <a:extLst>
+                  <a:ext uri="{28A0092B-C50C-407E-A947-70E740481C1C}">
+                    <a14:useLocalDpi xmlns:a14="http://schemas.microsoft.com/office/drawing/2010/main" val="0"/>
+                  </a:ext>
+                </a:extLst>
+              </a:blip>
+              <a:srcRect l="15662" t="33891" r="45850" b="37426"/>
+              <a:stretch/>
+            </p:blipFill>
+            <p:spPr>
+              <a:xfrm>
+                <a:off x="7864033" y="3764104"/>
+                <a:ext cx="352070" cy="150012"/>
+              </a:xfrm>
+              <a:prstGeom prst="rect">
+                <a:avLst/>
+              </a:prstGeom>
+            </p:spPr>
+          </p:pic>
+          <p:pic>
+            <p:nvPicPr>
+              <p:cNvPr id="31" name="Picture 30">
+                <a:extLst>
+                  <a:ext uri="{FF2B5EF4-FFF2-40B4-BE49-F238E27FC236}">
+                    <a16:creationId xmlns:a16="http://schemas.microsoft.com/office/drawing/2014/main" id="{6C150B95-594E-4ECD-96C1-D11C1B2470F7}"/>
+                  </a:ext>
+                </a:extLst>
+              </p:cNvPr>
+              <p:cNvPicPr>
+                <a:picLocks noChangeAspect="1"/>
+              </p:cNvPicPr>
+              <p:nvPr/>
+            </p:nvPicPr>
+            <p:blipFill rotWithShape="1">
+              <a:blip r:embed="rId7">
+                <a:extLst>
+                  <a:ext uri="{28A0092B-C50C-407E-A947-70E740481C1C}">
+                    <a14:useLocalDpi xmlns:a14="http://schemas.microsoft.com/office/drawing/2010/main" val="0"/>
+                  </a:ext>
+                </a:extLst>
+              </a:blip>
+              <a:srcRect l="15662" t="33891" r="45850" b="37426"/>
+              <a:stretch/>
+            </p:blipFill>
+            <p:spPr>
+              <a:xfrm>
+                <a:off x="7656838" y="3993898"/>
+                <a:ext cx="352070" cy="150012"/>
+              </a:xfrm>
+              <a:prstGeom prst="rect">
+                <a:avLst/>
+              </a:prstGeom>
+            </p:spPr>
+          </p:pic>
+          <p:pic>
+            <p:nvPicPr>
+              <p:cNvPr id="32" name="Picture 31">
+                <a:extLst>
+                  <a:ext uri="{FF2B5EF4-FFF2-40B4-BE49-F238E27FC236}">
+                    <a16:creationId xmlns:a16="http://schemas.microsoft.com/office/drawing/2014/main" id="{16ABC7E3-8321-4DEB-934F-8CF642E99F52}"/>
+                  </a:ext>
+                </a:extLst>
+              </p:cNvPr>
+              <p:cNvPicPr>
+                <a:picLocks noChangeAspect="1"/>
+              </p:cNvPicPr>
+              <p:nvPr/>
+            </p:nvPicPr>
+            <p:blipFill rotWithShape="1">
+              <a:blip r:embed="rId7">
+                <a:extLst>
+                  <a:ext uri="{28A0092B-C50C-407E-A947-70E740481C1C}">
+                    <a14:useLocalDpi xmlns:a14="http://schemas.microsoft.com/office/drawing/2010/main" val="0"/>
+                  </a:ext>
+                </a:extLst>
+              </a:blip>
+              <a:srcRect l="15662" t="33891" r="45850" b="37426"/>
+              <a:stretch/>
+            </p:blipFill>
+            <p:spPr>
+              <a:xfrm>
+                <a:off x="7748464" y="3534310"/>
+                <a:ext cx="352070" cy="150012"/>
+              </a:xfrm>
+              <a:prstGeom prst="rect">
+                <a:avLst/>
+              </a:prstGeom>
+            </p:spPr>
+          </p:pic>
+          <p:pic>
+            <p:nvPicPr>
+              <p:cNvPr id="33" name="Picture 32">
+                <a:extLst>
+                  <a:ext uri="{FF2B5EF4-FFF2-40B4-BE49-F238E27FC236}">
+                    <a16:creationId xmlns:a16="http://schemas.microsoft.com/office/drawing/2014/main" id="{2417F15C-BBC8-4150-A98D-D5AD791C51B5}"/>
+                  </a:ext>
+                </a:extLst>
+              </p:cNvPr>
+              <p:cNvPicPr>
+                <a:picLocks noChangeAspect="1"/>
+              </p:cNvPicPr>
+              <p:nvPr/>
+            </p:nvPicPr>
+            <p:blipFill rotWithShape="1">
+              <a:blip r:embed="rId7">
+                <a:extLst>
+                  <a:ext uri="{28A0092B-C50C-407E-A947-70E740481C1C}">
+                    <a14:useLocalDpi xmlns:a14="http://schemas.microsoft.com/office/drawing/2010/main" val="0"/>
+                  </a:ext>
+                </a:extLst>
+              </a:blip>
+              <a:srcRect l="15662" t="33891" r="45850" b="37426"/>
+              <a:stretch/>
+            </p:blipFill>
+            <p:spPr>
+              <a:xfrm>
+                <a:off x="8015757" y="3993898"/>
+                <a:ext cx="352070" cy="150012"/>
+              </a:xfrm>
+              <a:prstGeom prst="rect">
+                <a:avLst/>
+              </a:prstGeom>
+            </p:spPr>
+          </p:pic>
+          <p:pic>
+            <p:nvPicPr>
+              <p:cNvPr id="34" name="Picture 33">
+                <a:extLst>
+                  <a:ext uri="{FF2B5EF4-FFF2-40B4-BE49-F238E27FC236}">
+                    <a16:creationId xmlns:a16="http://schemas.microsoft.com/office/drawing/2014/main" id="{DBCB8754-7FF4-49BF-907F-A906AEC85A88}"/>
+                  </a:ext>
+                </a:extLst>
+              </p:cNvPr>
+              <p:cNvPicPr>
+                <a:picLocks noChangeAspect="1"/>
+              </p:cNvPicPr>
+              <p:nvPr/>
+            </p:nvPicPr>
+            <p:blipFill rotWithShape="1">
+              <a:blip r:embed="rId7">
+                <a:extLst>
+                  <a:ext uri="{28A0092B-C50C-407E-A947-70E740481C1C}">
+                    <a14:useLocalDpi xmlns:a14="http://schemas.microsoft.com/office/drawing/2010/main" val="0"/>
+                  </a:ext>
+                </a:extLst>
+              </a:blip>
+              <a:srcRect l="15662" t="33891" r="45850" b="37426"/>
+              <a:stretch/>
+            </p:blipFill>
+            <p:spPr>
+              <a:xfrm>
+                <a:off x="7441239" y="3764104"/>
+                <a:ext cx="352070" cy="150012"/>
+              </a:xfrm>
+              <a:prstGeom prst="rect">
+                <a:avLst/>
+              </a:prstGeom>
+            </p:spPr>
+          </p:pic>
+          <p:pic>
+            <p:nvPicPr>
+              <p:cNvPr id="35" name="Picture 34">
+                <a:extLst>
+                  <a:ext uri="{FF2B5EF4-FFF2-40B4-BE49-F238E27FC236}">
+                    <a16:creationId xmlns:a16="http://schemas.microsoft.com/office/drawing/2014/main" id="{6A4A2921-8037-470D-8352-021ECD36DF54}"/>
+                  </a:ext>
+                </a:extLst>
+              </p:cNvPr>
+              <p:cNvPicPr>
+                <a:picLocks noChangeAspect="1"/>
+              </p:cNvPicPr>
+              <p:nvPr/>
+            </p:nvPicPr>
+            <p:blipFill rotWithShape="1">
+              <a:blip r:embed="rId7">
+                <a:extLst>
+                  <a:ext uri="{28A0092B-C50C-407E-A947-70E740481C1C}">
+                    <a14:useLocalDpi xmlns:a14="http://schemas.microsoft.com/office/drawing/2010/main" val="0"/>
+                  </a:ext>
+                </a:extLst>
+              </a:blip>
+              <a:srcRect l="15662" t="33891" r="45850" b="37426"/>
+              <a:stretch/>
+            </p:blipFill>
+            <p:spPr>
+              <a:xfrm>
+                <a:off x="6456309" y="2838537"/>
+                <a:ext cx="352070" cy="150012"/>
+              </a:xfrm>
+              <a:prstGeom prst="rect">
+                <a:avLst/>
+              </a:prstGeom>
+            </p:spPr>
+          </p:pic>
+          <p:pic>
+            <p:nvPicPr>
+              <p:cNvPr id="36" name="Picture 35">
+                <a:extLst>
+                  <a:ext uri="{FF2B5EF4-FFF2-40B4-BE49-F238E27FC236}">
+                    <a16:creationId xmlns:a16="http://schemas.microsoft.com/office/drawing/2014/main" id="{05E2BA10-5748-4A41-B6A8-15A772709451}"/>
+                  </a:ext>
+                </a:extLst>
+              </p:cNvPr>
+              <p:cNvPicPr>
+                <a:picLocks noChangeAspect="1"/>
+              </p:cNvPicPr>
+              <p:nvPr/>
+            </p:nvPicPr>
+            <p:blipFill rotWithShape="1">
+              <a:blip r:embed="rId7">
+                <a:extLst>
+                  <a:ext uri="{28A0092B-C50C-407E-A947-70E740481C1C}">
+                    <a14:useLocalDpi xmlns:a14="http://schemas.microsoft.com/office/drawing/2010/main" val="0"/>
+                  </a:ext>
+                </a:extLst>
+              </a:blip>
+              <a:srcRect l="15662" t="33891" r="45850" b="37426"/>
+              <a:stretch/>
+            </p:blipFill>
+            <p:spPr>
+              <a:xfrm>
+                <a:off x="6413583" y="3450006"/>
+                <a:ext cx="352070" cy="150012"/>
+              </a:xfrm>
+              <a:prstGeom prst="rect">
+                <a:avLst/>
+              </a:prstGeom>
+            </p:spPr>
+          </p:pic>
+          <p:pic>
+            <p:nvPicPr>
+              <p:cNvPr id="37" name="Picture 36">
+                <a:extLst>
+                  <a:ext uri="{FF2B5EF4-FFF2-40B4-BE49-F238E27FC236}">
+                    <a16:creationId xmlns:a16="http://schemas.microsoft.com/office/drawing/2014/main" id="{FC852E55-A78D-450A-9705-5A672AF406DA}"/>
+                  </a:ext>
+                </a:extLst>
+              </p:cNvPr>
+              <p:cNvPicPr>
+                <a:picLocks noChangeAspect="1"/>
+              </p:cNvPicPr>
+              <p:nvPr/>
+            </p:nvPicPr>
+            <p:blipFill rotWithShape="1">
+              <a:blip r:embed="rId7">
+                <a:extLst>
+                  <a:ext uri="{28A0092B-C50C-407E-A947-70E740481C1C}">
+                    <a14:useLocalDpi xmlns:a14="http://schemas.microsoft.com/office/drawing/2010/main" val="0"/>
+                  </a:ext>
+                </a:extLst>
+              </a:blip>
+              <a:srcRect l="15662" t="33891" r="45850" b="37426"/>
+              <a:stretch/>
+            </p:blipFill>
+            <p:spPr>
+              <a:xfrm>
+                <a:off x="8319626" y="3745569"/>
+                <a:ext cx="352070" cy="150012"/>
+              </a:xfrm>
+              <a:prstGeom prst="rect">
+                <a:avLst/>
+              </a:prstGeom>
+            </p:spPr>
+          </p:pic>
+          <p:pic>
+            <p:nvPicPr>
+              <p:cNvPr id="38" name="Picture 37">
+                <a:extLst>
+                  <a:ext uri="{FF2B5EF4-FFF2-40B4-BE49-F238E27FC236}">
+                    <a16:creationId xmlns:a16="http://schemas.microsoft.com/office/drawing/2014/main" id="{1907482E-EEEF-42E9-99EE-10F1429D29B7}"/>
+                  </a:ext>
+                </a:extLst>
+              </p:cNvPr>
+              <p:cNvPicPr>
+                <a:picLocks noChangeAspect="1"/>
+              </p:cNvPicPr>
+              <p:nvPr/>
+            </p:nvPicPr>
+            <p:blipFill rotWithShape="1">
+              <a:blip r:embed="rId7">
+                <a:extLst>
+                  <a:ext uri="{28A0092B-C50C-407E-A947-70E740481C1C}">
+                    <a14:useLocalDpi xmlns:a14="http://schemas.microsoft.com/office/drawing/2010/main" val="0"/>
+                  </a:ext>
+                </a:extLst>
+              </a:blip>
+              <a:srcRect l="15662" t="33891" r="45850" b="37426"/>
+              <a:stretch/>
+            </p:blipFill>
+            <p:spPr>
+              <a:xfrm>
+                <a:off x="6608033" y="3068331"/>
+                <a:ext cx="352070" cy="150012"/>
+              </a:xfrm>
+              <a:prstGeom prst="rect">
+                <a:avLst/>
+              </a:prstGeom>
+            </p:spPr>
+          </p:pic>
+          <p:pic>
+            <p:nvPicPr>
+              <p:cNvPr id="39" name="Picture 38">
+                <a:extLst>
+                  <a:ext uri="{FF2B5EF4-FFF2-40B4-BE49-F238E27FC236}">
+                    <a16:creationId xmlns:a16="http://schemas.microsoft.com/office/drawing/2014/main" id="{E9C0189A-0EC0-4058-8B76-C5B8DA915A40}"/>
+                  </a:ext>
+                </a:extLst>
+              </p:cNvPr>
+              <p:cNvPicPr>
+                <a:picLocks noChangeAspect="1"/>
+              </p:cNvPicPr>
+              <p:nvPr/>
+            </p:nvPicPr>
+            <p:blipFill rotWithShape="1">
+              <a:blip r:embed="rId7">
+                <a:extLst>
+                  <a:ext uri="{28A0092B-C50C-407E-A947-70E740481C1C}">
+                    <a14:useLocalDpi xmlns:a14="http://schemas.microsoft.com/office/drawing/2010/main" val="0"/>
+                  </a:ext>
+                </a:extLst>
+              </a:blip>
+              <a:srcRect l="15662" t="33891" r="45850" b="37426"/>
+              <a:stretch/>
+            </p:blipFill>
+            <p:spPr>
+              <a:xfrm>
+                <a:off x="6618430" y="3679800"/>
+                <a:ext cx="352070" cy="150012"/>
+              </a:xfrm>
+              <a:prstGeom prst="rect">
+                <a:avLst/>
+              </a:prstGeom>
+            </p:spPr>
+          </p:pic>
+          <p:pic>
+            <p:nvPicPr>
+              <p:cNvPr id="40" name="Picture 39">
+                <a:extLst>
+                  <a:ext uri="{FF2B5EF4-FFF2-40B4-BE49-F238E27FC236}">
+                    <a16:creationId xmlns:a16="http://schemas.microsoft.com/office/drawing/2014/main" id="{A0A97AC2-42A7-4522-B3A2-0C51E6EFD063}"/>
+                  </a:ext>
+                </a:extLst>
+              </p:cNvPr>
+              <p:cNvPicPr>
+                <a:picLocks noChangeAspect="1"/>
+              </p:cNvPicPr>
+              <p:nvPr/>
+            </p:nvPicPr>
+            <p:blipFill rotWithShape="1">
+              <a:blip r:embed="rId7">
+                <a:extLst>
+                  <a:ext uri="{28A0092B-C50C-407E-A947-70E740481C1C}">
+                    <a14:useLocalDpi xmlns:a14="http://schemas.microsoft.com/office/drawing/2010/main" val="0"/>
+                  </a:ext>
+                </a:extLst>
+              </a:blip>
+              <a:srcRect l="15662" t="33891" r="45850" b="37426"/>
+              <a:stretch/>
+            </p:blipFill>
+            <p:spPr>
+              <a:xfrm>
+                <a:off x="7176250" y="2662996"/>
+                <a:ext cx="352070" cy="150012"/>
+              </a:xfrm>
+              <a:prstGeom prst="rect">
+                <a:avLst/>
+              </a:prstGeom>
+            </p:spPr>
+          </p:pic>
+          <p:pic>
+            <p:nvPicPr>
+              <p:cNvPr id="41" name="Picture 40">
+                <a:extLst>
+                  <a:ext uri="{FF2B5EF4-FFF2-40B4-BE49-F238E27FC236}">
+                    <a16:creationId xmlns:a16="http://schemas.microsoft.com/office/drawing/2014/main" id="{9B310B38-C12D-407D-8406-F3E669E10160}"/>
+                  </a:ext>
+                </a:extLst>
+              </p:cNvPr>
+              <p:cNvPicPr>
+                <a:picLocks noChangeAspect="1"/>
+              </p:cNvPicPr>
+              <p:nvPr/>
+            </p:nvPicPr>
+            <p:blipFill rotWithShape="1">
+              <a:blip r:embed="rId7">
+                <a:extLst>
+                  <a:ext uri="{28A0092B-C50C-407E-A947-70E740481C1C}">
+                    <a14:useLocalDpi xmlns:a14="http://schemas.microsoft.com/office/drawing/2010/main" val="0"/>
+                  </a:ext>
+                </a:extLst>
+              </a:blip>
+              <a:srcRect l="15662" t="33891" r="45850" b="37426"/>
+              <a:stretch/>
+            </p:blipFill>
+            <p:spPr>
+              <a:xfrm>
+                <a:off x="6969055" y="2892790"/>
+                <a:ext cx="352070" cy="150012"/>
+              </a:xfrm>
+              <a:prstGeom prst="rect">
+                <a:avLst/>
+              </a:prstGeom>
+            </p:spPr>
+          </p:pic>
+          <p:pic>
+            <p:nvPicPr>
+              <p:cNvPr id="42" name="Picture 41">
+                <a:extLst>
+                  <a:ext uri="{FF2B5EF4-FFF2-40B4-BE49-F238E27FC236}">
+                    <a16:creationId xmlns:a16="http://schemas.microsoft.com/office/drawing/2014/main" id="{A1A33A2C-3EC6-4AD3-B6FF-62D14026DF2B}"/>
+                  </a:ext>
+                </a:extLst>
+              </p:cNvPr>
+              <p:cNvPicPr>
+                <a:picLocks noChangeAspect="1"/>
+              </p:cNvPicPr>
+              <p:nvPr/>
+            </p:nvPicPr>
+            <p:blipFill rotWithShape="1">
+              <a:blip r:embed="rId7">
+                <a:extLst>
+                  <a:ext uri="{28A0092B-C50C-407E-A947-70E740481C1C}">
+                    <a14:useLocalDpi xmlns:a14="http://schemas.microsoft.com/office/drawing/2010/main" val="0"/>
+                  </a:ext>
+                </a:extLst>
+              </a:blip>
+              <a:srcRect l="15662" t="33891" r="45850" b="37426"/>
+              <a:stretch/>
+            </p:blipFill>
+            <p:spPr>
+              <a:xfrm>
+                <a:off x="8161180" y="3538410"/>
+                <a:ext cx="352070" cy="150012"/>
+              </a:xfrm>
+              <a:prstGeom prst="rect">
+                <a:avLst/>
+              </a:prstGeom>
+            </p:spPr>
+          </p:pic>
+          <p:pic>
+            <p:nvPicPr>
+              <p:cNvPr id="43" name="Picture 42">
+                <a:extLst>
+                  <a:ext uri="{FF2B5EF4-FFF2-40B4-BE49-F238E27FC236}">
+                    <a16:creationId xmlns:a16="http://schemas.microsoft.com/office/drawing/2014/main" id="{BBDD7E5C-326D-49C0-8221-6CA1D7FC660F}"/>
+                  </a:ext>
+                </a:extLst>
+              </p:cNvPr>
+              <p:cNvPicPr>
+                <a:picLocks noChangeAspect="1"/>
+              </p:cNvPicPr>
+              <p:nvPr/>
+            </p:nvPicPr>
+            <p:blipFill rotWithShape="1">
+              <a:blip r:embed="rId7">
+                <a:extLst>
+                  <a:ext uri="{28A0092B-C50C-407E-A947-70E740481C1C}">
+                    <a14:useLocalDpi xmlns:a14="http://schemas.microsoft.com/office/drawing/2010/main" val="0"/>
+                  </a:ext>
+                </a:extLst>
+              </a:blip>
+              <a:srcRect l="15662" t="33891" r="45850" b="37426"/>
+              <a:stretch/>
+            </p:blipFill>
+            <p:spPr>
+              <a:xfrm>
+                <a:off x="7327974" y="2892790"/>
+                <a:ext cx="352070" cy="150012"/>
+              </a:xfrm>
+              <a:prstGeom prst="rect">
+                <a:avLst/>
+              </a:prstGeom>
+            </p:spPr>
+          </p:pic>
+          <p:pic>
+            <p:nvPicPr>
+              <p:cNvPr id="44" name="Picture 43">
+                <a:extLst>
+                  <a:ext uri="{FF2B5EF4-FFF2-40B4-BE49-F238E27FC236}">
+                    <a16:creationId xmlns:a16="http://schemas.microsoft.com/office/drawing/2014/main" id="{9D8555DE-C8D3-4C13-808E-DD483D3310BB}"/>
+                  </a:ext>
+                </a:extLst>
+              </p:cNvPr>
+              <p:cNvPicPr>
+                <a:picLocks noChangeAspect="1"/>
+              </p:cNvPicPr>
+              <p:nvPr/>
+            </p:nvPicPr>
+            <p:blipFill rotWithShape="1">
+              <a:blip r:embed="rId7">
+                <a:extLst>
+                  <a:ext uri="{28A0092B-C50C-407E-A947-70E740481C1C}">
+                    <a14:useLocalDpi xmlns:a14="http://schemas.microsoft.com/office/drawing/2010/main" val="0"/>
+                  </a:ext>
+                </a:extLst>
+              </a:blip>
+              <a:srcRect l="15662" t="33891" r="45850" b="37426"/>
+              <a:stretch/>
+            </p:blipFill>
+            <p:spPr>
+              <a:xfrm>
+                <a:off x="6753456" y="2662996"/>
+                <a:ext cx="352070" cy="150012"/>
+              </a:xfrm>
+              <a:prstGeom prst="rect">
+                <a:avLst/>
+              </a:prstGeom>
+            </p:spPr>
+          </p:pic>
+        </p:grpSp>
+      </p:grpSp>
+      <p:pic>
+        <p:nvPicPr>
+          <p:cNvPr id="5" name="Picture 4">
+            <a:extLst>
+              <a:ext uri="{FF2B5EF4-FFF2-40B4-BE49-F238E27FC236}">
+                <a16:creationId xmlns:a16="http://schemas.microsoft.com/office/drawing/2014/main" id="{3CFF92C9-F65C-46F2-8FAA-DCF79D4A696C}"/>
+              </a:ext>
+            </a:extLst>
+          </p:cNvPr>
+          <p:cNvPicPr>
+            <a:picLocks noChangeAspect="1"/>
+          </p:cNvPicPr>
+          <p:nvPr/>
+        </p:nvPicPr>
+        <p:blipFill rotWithShape="1">
+          <a:blip r:embed="rId8">
+            <a:extLst>
+              <a:ext uri="{28A0092B-C50C-407E-A947-70E740481C1C}">
+                <a14:useLocalDpi xmlns:a14="http://schemas.microsoft.com/office/drawing/2010/main" val="0"/>
+              </a:ext>
+            </a:extLst>
+          </a:blip>
+          <a:srcRect l="12181" t="18438" r="12146" b="23520"/>
+          <a:stretch/>
+        </p:blipFill>
+        <p:spPr>
+          <a:xfrm>
+            <a:off x="9462591" y="1593939"/>
+            <a:ext cx="2566497" cy="2624688"/>
+          </a:xfrm>
+          <a:prstGeom prst="rect">
+            <a:avLst/>
+          </a:prstGeom>
+        </p:spPr>
+      </p:pic>
+    </p:spTree>
+    <p:extLst>
+      <p:ext uri="{BB962C8B-B14F-4D97-AF65-F5344CB8AC3E}">
+        <p14:creationId xmlns:p14="http://schemas.microsoft.com/office/powerpoint/2010/main" val="3303537968"/>
       </p:ext>
     </p:extLst>
   </p:cSld>
